--- a/Presentation.pptx
+++ b/Presentation.pptx
@@ -6094,7 +6094,6 @@
               <a:rPr lang="en-US" dirty="0"/>
               <a:t>Microsoft.AspNet.WebApi.Client</a:t>
             </a:r>
-            <a:endParaRPr lang="en-US" dirty="0"/>
           </a:p>
         </p:txBody>
       </p:sp>
@@ -9001,14 +9000,38 @@
             </a:br>
             <a:r>
               <a:rPr lang="en-US" dirty="0"/>
-              <a:t>	"list" :  ["apple","banana","lemon"]</a:t>
+              <a:t>	"</a:t>
+            </a:r>
+            <a:r>
+              <a:rPr lang="en-US"/>
+              <a:t>list</a:t>
+            </a:r>
+            <a:r>
+              <a:rPr lang="en-US" smtClean="0"/>
+              <a:t>":  </a:t>
+            </a:r>
+            <a:r>
+              <a:rPr lang="en-US" dirty="0"/>
+              <a:t>["apple","banana","lemon"]</a:t>
             </a:r>
             <a:br>
               <a:rPr lang="en-US" dirty="0"/>
             </a:br>
             <a:r>
               <a:rPr lang="en-US" dirty="0"/>
-              <a:t>	"innerobject" : </a:t>
+              <a:t>	"</a:t>
+            </a:r>
+            <a:r>
+              <a:rPr lang="en-US"/>
+              <a:t>innerobject</a:t>
+            </a:r>
+            <a:r>
+              <a:rPr lang="en-US" smtClean="0"/>
+              <a:t>": </a:t>
+            </a:r>
+            <a:r>
+              <a:rPr lang="en-US" dirty="0"/>
+              <a:t/>
             </a:r>
             <a:br>
               <a:rPr lang="en-US" dirty="0"/>
@@ -9022,14 +9045,38 @@
             </a:br>
             <a:r>
               <a:rPr lang="en-US" dirty="0"/>
-              <a:t>		"innerid" : 66,</a:t>
+              <a:t>		"</a:t>
+            </a:r>
+            <a:r>
+              <a:rPr lang="en-US"/>
+              <a:t>innerid</a:t>
+            </a:r>
+            <a:r>
+              <a:rPr lang="en-US" smtClean="0"/>
+              <a:t>": </a:t>
+            </a:r>
+            <a:r>
+              <a:rPr lang="en-US" dirty="0"/>
+              <a:t>66,</a:t>
             </a:r>
             <a:br>
               <a:rPr lang="en-US" dirty="0"/>
             </a:br>
             <a:r>
               <a:rPr lang="en-US" dirty="0"/>
-              <a:t>		"innerstring" : "object with the object"</a:t>
+              <a:t>		"</a:t>
+            </a:r>
+            <a:r>
+              <a:rPr lang="en-US"/>
+              <a:t>innerstring</a:t>
+            </a:r>
+            <a:r>
+              <a:rPr lang="en-US" smtClean="0"/>
+              <a:t>": </a:t>
+            </a:r>
+            <a:r>
+              <a:rPr lang="en-US" dirty="0"/>
+              <a:t>"object with the object"</a:t>
             </a:r>
             <a:br>
               <a:rPr lang="en-US" dirty="0"/>
